--- a/Space_X_Capstone_20230110.pptx
+++ b/Space_X_Capstone_20230110.pptx
@@ -243,7 +243,7 @@
           <a:p>
             <a:fld id="{4CE9D273-C86A-4973-A874-BAA1319D145F}" type="datetimeFigureOut">
               <a:rPr lang="en-US" smtClean="0"/>
-              <a:t>1/9/2023</a:t>
+              <a:t>1/10/2023</a:t>
             </a:fld>
             <a:endParaRPr lang="en-US"/>
           </a:p>
@@ -3917,7 +3917,7 @@
           <a:p>
             <a:fld id="{761B5FB1-226B-49D9-8231-FA42291AFB33}" type="datetimeFigureOut">
               <a:rPr lang="en-US" smtClean="0"/>
-              <a:t>1/9/2023</a:t>
+              <a:t>1/10/2023</a:t>
             </a:fld>
             <a:endParaRPr lang="en-US"/>
           </a:p>
@@ -4087,7 +4087,7 @@
           <a:p>
             <a:fld id="{761B5FB1-226B-49D9-8231-FA42291AFB33}" type="datetimeFigureOut">
               <a:rPr lang="en-US" smtClean="0"/>
-              <a:t>1/9/2023</a:t>
+              <a:t>1/10/2023</a:t>
             </a:fld>
             <a:endParaRPr lang="en-US"/>
           </a:p>
@@ -4267,7 +4267,7 @@
           <a:p>
             <a:fld id="{761B5FB1-226B-49D9-8231-FA42291AFB33}" type="datetimeFigureOut">
               <a:rPr lang="en-US" smtClean="0"/>
-              <a:t>1/9/2023</a:t>
+              <a:t>1/10/2023</a:t>
             </a:fld>
             <a:endParaRPr lang="en-US"/>
           </a:p>
@@ -4437,7 +4437,7 @@
           <a:p>
             <a:fld id="{761B5FB1-226B-49D9-8231-FA42291AFB33}" type="datetimeFigureOut">
               <a:rPr lang="en-US" smtClean="0"/>
-              <a:t>1/9/2023</a:t>
+              <a:t>1/10/2023</a:t>
             </a:fld>
             <a:endParaRPr lang="en-US"/>
           </a:p>
@@ -4683,7 +4683,7 @@
           <a:p>
             <a:fld id="{761B5FB1-226B-49D9-8231-FA42291AFB33}" type="datetimeFigureOut">
               <a:rPr lang="en-US" smtClean="0"/>
-              <a:t>1/9/2023</a:t>
+              <a:t>1/10/2023</a:t>
             </a:fld>
             <a:endParaRPr lang="en-US"/>
           </a:p>
@@ -4915,7 +4915,7 @@
           <a:p>
             <a:fld id="{761B5FB1-226B-49D9-8231-FA42291AFB33}" type="datetimeFigureOut">
               <a:rPr lang="en-US" smtClean="0"/>
-              <a:t>1/9/2023</a:t>
+              <a:t>1/10/2023</a:t>
             </a:fld>
             <a:endParaRPr lang="en-US"/>
           </a:p>
@@ -5282,7 +5282,7 @@
           <a:p>
             <a:fld id="{761B5FB1-226B-49D9-8231-FA42291AFB33}" type="datetimeFigureOut">
               <a:rPr lang="en-US" smtClean="0"/>
-              <a:t>1/9/2023</a:t>
+              <a:t>1/10/2023</a:t>
             </a:fld>
             <a:endParaRPr lang="en-US"/>
           </a:p>
@@ -5400,7 +5400,7 @@
           <a:p>
             <a:fld id="{761B5FB1-226B-49D9-8231-FA42291AFB33}" type="datetimeFigureOut">
               <a:rPr lang="en-US" smtClean="0"/>
-              <a:t>1/9/2023</a:t>
+              <a:t>1/10/2023</a:t>
             </a:fld>
             <a:endParaRPr lang="en-US"/>
           </a:p>
@@ -5495,7 +5495,7 @@
           <a:p>
             <a:fld id="{761B5FB1-226B-49D9-8231-FA42291AFB33}" type="datetimeFigureOut">
               <a:rPr lang="en-US" smtClean="0"/>
-              <a:t>1/9/2023</a:t>
+              <a:t>1/10/2023</a:t>
             </a:fld>
             <a:endParaRPr lang="en-US"/>
           </a:p>
@@ -5772,7 +5772,7 @@
           <a:p>
             <a:fld id="{761B5FB1-226B-49D9-8231-FA42291AFB33}" type="datetimeFigureOut">
               <a:rPr lang="en-US" smtClean="0"/>
-              <a:t>1/9/2023</a:t>
+              <a:t>1/10/2023</a:t>
             </a:fld>
             <a:endParaRPr lang="en-US"/>
           </a:p>
@@ -6029,7 +6029,7 @@
           <a:p>
             <a:fld id="{761B5FB1-226B-49D9-8231-FA42291AFB33}" type="datetimeFigureOut">
               <a:rPr lang="en-US" smtClean="0"/>
-              <a:t>1/9/2023</a:t>
+              <a:t>1/10/2023</a:t>
             </a:fld>
             <a:endParaRPr lang="en-US"/>
           </a:p>
@@ -6242,7 +6242,7 @@
           <a:p>
             <a:fld id="{761B5FB1-226B-49D9-8231-FA42291AFB33}" type="datetimeFigureOut">
               <a:rPr lang="en-US" smtClean="0"/>
-              <a:t>1/9/2023</a:t>
+              <a:t>1/10/2023</a:t>
             </a:fld>
             <a:endParaRPr lang="en-US"/>
           </a:p>
@@ -7134,7 +7134,7 @@
               <a:rPr lang="en-US" sz="1500" dirty="0">
                 <a:latin typeface="Bookman Old Style" panose="02050604050505020204" pitchFamily="18" charset="0"/>
               </a:rPr>
-              <a:t>https://github.com/pooja420/practrepo/blob/7de65758ac5938796a34d4734f032af57d7f3389/jupyter-labs-webscraping.ipynb</a:t>
+              <a:t>https://github.com/pooja420/IBM_Data_Science_Capstone.git</a:t>
             </a:r>
           </a:p>
         </p:txBody>
@@ -7350,7 +7350,7 @@
               <a:rPr lang="en-US" sz="1500" dirty="0">
                 <a:latin typeface="Bookman Old Style" panose="02050604050505020204" pitchFamily="18" charset="0"/>
               </a:rPr>
-              <a:t>https://github.com/pooja420/practrepo/blob/d1896c5281dcd099c707f5d7e4a5f68713afd4b0/labs-jupyter-spacex-data_wrangling_jupyterlite.jupyterlite.ipynb</a:t>
+              <a:t>https://github.com/pooja420/IBM_Data_Science_Capstone.git</a:t>
             </a:r>
           </a:p>
         </p:txBody>
@@ -7456,7 +7456,7 @@
         </p:spPr>
         <p:txBody>
           <a:bodyPr>
-            <a:normAutofit lnSpcReduction="10000"/>
+            <a:normAutofit/>
           </a:bodyPr>
           <a:lstStyle/>
           <a:p>
@@ -7609,12 +7609,6 @@
             </a:endParaRPr>
           </a:p>
           <a:p>
-            <a:pPr algn="just"/>
-            <a:endParaRPr lang="en-US" sz="1500" dirty="0">
-              <a:latin typeface="Bookman Old Style" panose="02050604050505020204" pitchFamily="18" charset="0"/>
-            </a:endParaRPr>
-          </a:p>
-          <a:p>
             <a:pPr algn="l"/>
             <a:r>
               <a:rPr lang="en-US" sz="1500" b="1" dirty="0" err="1">
@@ -7632,7 +7626,7 @@
               <a:rPr lang="en-US" sz="1500" dirty="0">
                 <a:latin typeface="Bookman Old Style" panose="02050604050505020204" pitchFamily="18" charset="0"/>
               </a:rPr>
-              <a:t>https://github.com/pooja420/practrepo/blob/d1896c5281dcd099c707f5d7e4a5f68713afd4b0/jupyter-labs-eda-sql-coursera_sqllite.ipynb</a:t>
+              <a:t>https://github.com/pooja420/IBM_Data_Science_Capstone.git</a:t>
             </a:r>
           </a:p>
         </p:txBody>
@@ -7866,7 +7860,7 @@
               <a:rPr lang="en-US" sz="1500" dirty="0">
                 <a:latin typeface="Bookman Old Style" panose="02050604050505020204" pitchFamily="18" charset="0"/>
               </a:rPr>
-              <a:t>https://github.com/pooja420/practrepo/blob/d1896c5281dcd099c707f5d7e4a5f68713afd4b0/jupyter-labs-eda-dataviz.ipynb.jupyterlite.ipynb</a:t>
+              <a:t>https://github.com/pooja420/IBM_Data_Science_Capstone.git</a:t>
             </a:r>
           </a:p>
         </p:txBody>
@@ -8202,7 +8196,7 @@
               <a:rPr lang="en-US" sz="1600" dirty="0">
                 <a:latin typeface="Bookman Old Style" panose="02050604050505020204" pitchFamily="18" charset="0"/>
               </a:rPr>
-              <a:t>https://github.com/pooja420/practrepo/blob/d1896c5281dcd099c707f5d7e4a5f68713afd4b0/lab_jupyter_launch_site_location.jupyterlite.ipynb</a:t>
+              <a:t>https://github.com/pooja420/IBM_Data_Science_Capstone.git</a:t>
             </a:r>
             <a:endParaRPr lang="en-US" sz="1700" dirty="0">
               <a:latin typeface="Bookman Old Style" panose="02050604050505020204" pitchFamily="18" charset="0"/>
@@ -8524,7 +8518,7 @@
               <a:rPr lang="en-US" sz="1600" dirty="0">
                 <a:latin typeface="Bookman Old Style" panose="02050604050505020204" pitchFamily="18" charset="0"/>
               </a:rPr>
-              <a:t>https://github.com/pooja420/practrepo/blob/d1896c5281dcd099c707f5d7e4a5f68713afd4b0/spacex_dash_app.py</a:t>
+              <a:t>https://github.com/pooja420/IBM_Data_Science_Capstone.git</a:t>
             </a:r>
           </a:p>
         </p:txBody>
@@ -8918,7 +8912,7 @@
               <a:rPr lang="en-US" sz="1500" dirty="0">
                 <a:latin typeface="Bookman Old Style" panose="02050604050505020204" pitchFamily="18" charset="0"/>
               </a:rPr>
-              <a:t>https://github.com/pooja420/practrepo/blob/d1896c5281dcd099c707f5d7e4a5f68713afd4b0/SpaceX_Machine_Learning_Prediction_Part_5.jupyterlite.ipynb</a:t>
+              <a:t>https://github.com/pooja420/IBM_Data_Science_Capstone.git</a:t>
             </a:r>
           </a:p>
         </p:txBody>
@@ -16463,6 +16457,12 @@
           </a:p>
           <a:p>
             <a:pPr algn="l"/>
+            <a:endParaRPr lang="en-US" sz="1800" dirty="0">
+              <a:latin typeface="Bookman Old Style" panose="02050604050505020204" pitchFamily="18" charset="0"/>
+            </a:endParaRPr>
+          </a:p>
+          <a:p>
+            <a:pPr algn="l"/>
             <a:r>
               <a:rPr lang="en-US" sz="1800" dirty="0">
                 <a:latin typeface="Bookman Old Style" panose="02050604050505020204" pitchFamily="18" charset="0"/>
@@ -16490,9 +16490,6 @@
               </a:rPr>
               <a:t>https://github.com/pooja420/IBM_Data_Science_Capstone.git</a:t>
             </a:r>
-          </a:p>
-          <a:p>
-            <a:pPr algn="l"/>
             <a:endParaRPr lang="en-US" sz="1800" b="1" dirty="0">
               <a:latin typeface="Bookman Old Style" panose="02050604050505020204" pitchFamily="18" charset="0"/>
             </a:endParaRPr>
@@ -17740,13 +17737,16 @@
               <a:rPr lang="en-US" sz="1500" b="1" dirty="0">
                 <a:latin typeface="Bookman Old Style" panose="02050604050505020204" pitchFamily="18" charset="0"/>
               </a:rPr>
-              <a:t> link: </a:t>
-            </a:r>
+              <a:t> link:</a:t>
+            </a:r>
+          </a:p>
+          <a:p>
+            <a:pPr algn="l"/>
             <a:r>
               <a:rPr lang="en-US" sz="1500" dirty="0">
                 <a:latin typeface="Bookman Old Style" panose="02050604050505020204" pitchFamily="18" charset="0"/>
               </a:rPr>
-              <a:t>https://github.com/pooja420/practrepo/blob/7de65758ac5938796a34d4734f032af57d7f3389/jupyter-labs-spacex-data-collection-api.ipynb</a:t>
+              <a:t>https://github.com/pooja420/IBM_Data_Science_Capstone.git</a:t>
             </a:r>
           </a:p>
         </p:txBody>
